--- a/Aquntant.pptx
+++ b/Aquntant.pptx
@@ -13,23 +13,24 @@
     <p:sldId id="258" r:id="rId8"/>
     <p:sldId id="259" r:id="rId9"/>
     <p:sldId id="260" r:id="rId10"/>
+    <p:sldId id="261" r:id="rId11"/>
   </p:sldIdLst>
   <p:sldSz cy="5143500" cx="9144000"/>
   <p:notesSz cx="6858000" cy="9144000"/>
   <p:embeddedFontLst>
     <p:embeddedFont>
       <p:font typeface="Playfair Display"/>
-      <p:regular r:id="rId11"/>
-      <p:bold r:id="rId12"/>
-      <p:italic r:id="rId13"/>
-      <p:boldItalic r:id="rId14"/>
+      <p:regular r:id="rId12"/>
+      <p:bold r:id="rId13"/>
+      <p:italic r:id="rId14"/>
+      <p:boldItalic r:id="rId15"/>
     </p:embeddedFont>
     <p:embeddedFont>
       <p:font typeface="Lato"/>
-      <p:regular r:id="rId15"/>
-      <p:bold r:id="rId16"/>
-      <p:italic r:id="rId17"/>
-      <p:boldItalic r:id="rId18"/>
+      <p:regular r:id="rId16"/>
+      <p:bold r:id="rId17"/>
+      <p:italic r:id="rId18"/>
+      <p:boldItalic r:id="rId19"/>
     </p:embeddedFont>
   </p:embeddedFontLst>
   <p:defaultTextStyle>
@@ -1157,6 +1158,105 @@
       <p:sp>
         <p:nvSpPr>
           <p:cNvPr id="113" name="Google Shape;113;g125f0251243_0_757:notes"/>
+          <p:cNvSpPr txBox="1"/>
+          <p:nvPr>
+            <p:ph idx="1" type="body"/>
+          </p:nvPr>
+        </p:nvSpPr>
+        <p:spPr>
+          <a:xfrm>
+            <a:off x="685800" y="4343400"/>
+            <a:ext cx="5486400" cy="4114800"/>
+          </a:xfrm>
+          <a:prstGeom prst="rect">
+            <a:avLst/>
+          </a:prstGeom>
+        </p:spPr>
+        <p:txBody>
+          <a:bodyPr anchorCtr="0" anchor="t" bIns="91425" lIns="91425" spcFirstLastPara="1" rIns="91425" wrap="square" tIns="91425">
+            <a:noAutofit/>
+          </a:bodyPr>
+          <a:lstStyle/>
+          <a:p>
+            <a:pPr indent="0" lvl="0" marL="0" rtl="0" algn="l">
+              <a:spcBef>
+                <a:spcPts val="0"/>
+              </a:spcBef>
+              <a:spcAft>
+                <a:spcPts val="0"/>
+              </a:spcAft>
+              <a:buNone/>
+            </a:pPr>
+            <a:r>
+              <a:t/>
+            </a:r>
+            <a:endParaRPr/>
+          </a:p>
+        </p:txBody>
+      </p:sp>
+    </p:spTree>
+  </p:cSld>
+  <p:clrMapOvr>
+    <a:masterClrMapping/>
+  </p:clrMapOvr>
+</p:notes>
+</file>
+
+<file path=ppt/notesSlides/notesSlide6.xml><?xml version="1.0" encoding="utf-8"?>
+<p:notes xmlns:a="http://schemas.openxmlformats.org/drawingml/2006/main" xmlns:r="http://schemas.openxmlformats.org/officeDocument/2006/relationships" xmlns:mc="http://schemas.openxmlformats.org/markup-compatibility/2006" xmlns:mv="urn:schemas-microsoft-com:mac:vml" xmlns:p="http://schemas.openxmlformats.org/presentationml/2006/main" xmlns:c="http://schemas.openxmlformats.org/drawingml/2006/chart" xmlns:dgm="http://schemas.openxmlformats.org/drawingml/2006/diagram" xmlns:o="urn:schemas-microsoft-com:office:office" xmlns:v="urn:schemas-microsoft-com:vml" xmlns:pvml="urn:schemas-microsoft-com:office:powerpoint" xmlns:com="http://schemas.openxmlformats.org/drawingml/2006/compatibility" xmlns:p14="http://schemas.microsoft.com/office/powerpoint/2010/main" xmlns:p15="http://schemas.microsoft.com/office/powerpoint/2012/main" xmlns:ahyp="http://schemas.microsoft.com/office/drawing/2018/hyperlinkcolor" showMasterPhAnim="0" showMasterSp="0">
+  <p:cSld>
+    <p:spTree>
+      <p:nvGrpSpPr>
+        <p:cNvPr id="120" name="Shape 120"/>
+        <p:cNvGrpSpPr/>
+        <p:nvPr/>
+      </p:nvGrpSpPr>
+      <p:grpSpPr>
+        <a:xfrm>
+          <a:off x="0" y="0"/>
+          <a:ext cx="0" cy="0"/>
+          <a:chOff x="0" y="0"/>
+          <a:chExt cx="0" cy="0"/>
+        </a:xfrm>
+      </p:grpSpPr>
+      <p:sp>
+        <p:nvSpPr>
+          <p:cNvPr id="121" name="Google Shape;121;g128c8e91f19_0_1:notes"/>
+          <p:cNvSpPr/>
+          <p:nvPr>
+            <p:ph idx="2" type="sldImg"/>
+          </p:nvPr>
+        </p:nvSpPr>
+        <p:spPr>
+          <a:xfrm>
+            <a:off x="381300" y="685800"/>
+            <a:ext cx="6096000" cy="3429000"/>
+          </a:xfrm>
+          <a:custGeom>
+            <a:rect b="b" l="l" r="r" t="t"/>
+            <a:pathLst>
+              <a:path extrusionOk="0" h="120000" w="120000">
+                <a:moveTo>
+                  <a:pt x="0" y="0"/>
+                </a:moveTo>
+                <a:lnTo>
+                  <a:pt x="120000" y="0"/>
+                </a:lnTo>
+                <a:lnTo>
+                  <a:pt x="120000" y="120000"/>
+                </a:lnTo>
+                <a:lnTo>
+                  <a:pt x="0" y="120000"/>
+                </a:lnTo>
+                <a:close/>
+              </a:path>
+            </a:pathLst>
+          </a:custGeom>
+        </p:spPr>
+      </p:sp>
+      <p:sp>
+        <p:nvSpPr>
+          <p:cNvPr id="122" name="Google Shape;122;g128c8e91f19_0_1:notes"/>
           <p:cNvSpPr txBox="1"/>
           <p:nvPr>
             <p:ph idx="1" type="body"/>
@@ -7251,8 +7351,8 @@
         </p:blipFill>
         <p:spPr>
           <a:xfrm>
-            <a:off x="471375" y="372725"/>
-            <a:ext cx="8224250" cy="4273925"/>
+            <a:off x="0" y="475450"/>
+            <a:ext cx="9143998" cy="4192600"/>
           </a:xfrm>
           <a:prstGeom prst="rect">
             <a:avLst/>
@@ -7314,7 +7414,7 @@
                                     </p:set>
                                     <p:anim calcmode="lin" valueType="num">
                                       <p:cBhvr additive="base">
-                                        <p:cTn dur="1000"/>
+                                        <p:cTn dur="1100"/>
                                         <p:tgtEl>
                                           <p:spTgt spid="78"/>
                                         </p:tgtEl>
@@ -7914,7 +8014,7 @@
         </p:blipFill>
         <p:spPr>
           <a:xfrm>
-            <a:off x="4398075" y="188875"/>
+            <a:off x="4268763" y="247450"/>
             <a:ext cx="3709800" cy="4589210"/>
           </a:xfrm>
           <a:prstGeom prst="rect">
@@ -10843,6 +10943,87 @@
 </p:sld>
 </file>
 
+<file path=ppt/slides/slide6.xml><?xml version="1.0" encoding="utf-8"?>
+<p:sld xmlns:a="http://schemas.openxmlformats.org/drawingml/2006/main" xmlns:r="http://schemas.openxmlformats.org/officeDocument/2006/relationships" xmlns:mc="http://schemas.openxmlformats.org/markup-compatibility/2006" xmlns:mv="urn:schemas-microsoft-com:mac:vml" xmlns:p="http://schemas.openxmlformats.org/presentationml/2006/main" xmlns:c="http://schemas.openxmlformats.org/drawingml/2006/chart" xmlns:dgm="http://schemas.openxmlformats.org/drawingml/2006/diagram" xmlns:o="urn:schemas-microsoft-com:office:office" xmlns:v="urn:schemas-microsoft-com:vml" xmlns:pvml="urn:schemas-microsoft-com:office:powerpoint" xmlns:com="http://schemas.openxmlformats.org/drawingml/2006/compatibility" xmlns:p14="http://schemas.microsoft.com/office/powerpoint/2010/main" xmlns:p15="http://schemas.microsoft.com/office/powerpoint/2012/main" xmlns:ahyp="http://schemas.microsoft.com/office/drawing/2018/hyperlinkcolor">
+  <p:cSld>
+    <p:spTree>
+      <p:nvGrpSpPr>
+        <p:cNvPr id="123" name="Shape 123"/>
+        <p:cNvGrpSpPr/>
+        <p:nvPr/>
+      </p:nvGrpSpPr>
+      <p:grpSpPr>
+        <a:xfrm>
+          <a:off x="0" y="0"/>
+          <a:ext cx="0" cy="0"/>
+          <a:chOff x="0" y="0"/>
+          <a:chExt cx="0" cy="0"/>
+        </a:xfrm>
+      </p:grpSpPr>
+      <p:sp>
+        <p:nvSpPr>
+          <p:cNvPr id="124" name="Google Shape;124;p18"/>
+          <p:cNvSpPr txBox="1"/>
+          <p:nvPr>
+            <p:ph idx="4294967295" type="ctrTitle"/>
+          </p:nvPr>
+        </p:nvSpPr>
+        <p:spPr>
+          <a:xfrm>
+            <a:off x="302050" y="1994800"/>
+            <a:ext cx="7893000" cy="1853700"/>
+          </a:xfrm>
+          <a:prstGeom prst="rect">
+            <a:avLst/>
+          </a:prstGeom>
+        </p:spPr>
+        <p:txBody>
+          <a:bodyPr anchorCtr="0" anchor="t" bIns="91425" lIns="91425" spcFirstLastPara="1" rIns="91425" wrap="square" tIns="91425">
+            <a:normAutofit/>
+          </a:bodyPr>
+          <a:lstStyle/>
+          <a:p>
+            <a:pPr indent="0" lvl="0" marL="0" rtl="0" algn="l">
+              <a:spcBef>
+                <a:spcPts val="0"/>
+              </a:spcBef>
+              <a:spcAft>
+                <a:spcPts val="0"/>
+              </a:spcAft>
+              <a:buNone/>
+            </a:pPr>
+            <a:r>
+              <a:rPr lang="hu"/>
+              <a:t>Let’s see these in the practice!</a:t>
+            </a:r>
+            <a:endParaRPr/>
+          </a:p>
+          <a:p>
+            <a:pPr indent="0" lvl="0" marL="0" rtl="0" algn="l">
+              <a:spcBef>
+                <a:spcPts val="0"/>
+              </a:spcBef>
+              <a:spcAft>
+                <a:spcPts val="0"/>
+              </a:spcAft>
+              <a:buNone/>
+            </a:pPr>
+            <a:r>
+              <a:rPr lang="hu"/>
+              <a:t>Allow us to show you the application!</a:t>
+            </a:r>
+            <a:endParaRPr/>
+          </a:p>
+        </p:txBody>
+      </p:sp>
+    </p:spTree>
+  </p:cSld>
+  <p:clrMapOvr>
+    <a:masterClrMapping/>
+  </p:clrMapOvr>
+</p:sld>
+</file>
+
 <file path=ppt/theme/theme1.xml><?xml version="1.0" encoding="utf-8"?>
 <a:theme xmlns:a="http://schemas.openxmlformats.org/drawingml/2006/main" xmlns:r="http://schemas.openxmlformats.org/officeDocument/2006/relationships">
   <a:themeElements>
